--- a/Theory Class-Notes/Unit-1 Basics of C Programming.pptx
+++ b/Theory Class-Notes/Unit-1 Basics of C Programming.pptx
@@ -341,7 +341,7 @@
           <a:p>
             <a:fld id="{61532AF1-4615-4667-912A-829B12F8C4D2}" type="datetimeFigureOut">
               <a:rPr lang="en-IN" smtClean="0"/>
-              <a:t>01-01-2025</a:t>
+              <a:t>08-01-2025</a:t>
             </a:fld>
             <a:endParaRPr lang="en-IN"/>
           </a:p>
@@ -758,7 +758,7 @@
           <a:p>
             <a:fld id="{C43A76A3-ADC8-4477-8FC1-B9DD55D84908}" type="datetime1">
               <a:rPr lang="en-US" smtClean="0"/>
-              <a:t>1/1/2025</a:t>
+              <a:t>1/8/2025</a:t>
             </a:fld>
             <a:endParaRPr lang="en-US" dirty="0"/>
           </a:p>
@@ -956,7 +956,7 @@
           <a:p>
             <a:fld id="{D6762538-DC4D-4667-96E5-B3278DDF8B12}" type="datetime1">
               <a:rPr lang="en-US" smtClean="0"/>
-              <a:t>1/1/2025</a:t>
+              <a:t>1/8/2025</a:t>
             </a:fld>
             <a:endParaRPr lang="en-US"/>
           </a:p>
@@ -1164,7 +1164,7 @@
           <a:p>
             <a:fld id="{05880548-5C08-4BE3-B63E-F2BB63B0B00C}" type="datetime1">
               <a:rPr lang="en-US" smtClean="0"/>
-              <a:t>1/1/2025</a:t>
+              <a:t>1/8/2025</a:t>
             </a:fld>
             <a:endParaRPr lang="en-US"/>
           </a:p>
@@ -1362,7 +1362,7 @@
           <a:p>
             <a:fld id="{DE7F49BE-398D-479A-8A7E-5DDBCA61EDCB}" type="datetime1">
               <a:rPr lang="en-US" smtClean="0"/>
-              <a:t>1/1/2025</a:t>
+              <a:t>1/8/2025</a:t>
             </a:fld>
             <a:endParaRPr lang="en-US" dirty="0"/>
           </a:p>
@@ -1638,7 +1638,7 @@
           <a:p>
             <a:fld id="{CCD0C193-4974-4A1F-9C63-07D595E30D66}" type="datetime1">
               <a:rPr lang="en-US" smtClean="0"/>
-              <a:t>1/1/2025</a:t>
+              <a:t>1/8/2025</a:t>
             </a:fld>
             <a:endParaRPr lang="en-US"/>
           </a:p>
@@ -1905,7 +1905,7 @@
           <a:p>
             <a:fld id="{701AA87F-28D4-4BF0-B81F-877A89DFD5AC}" type="datetime1">
               <a:rPr lang="en-US" smtClean="0"/>
-              <a:t>1/1/2025</a:t>
+              <a:t>1/8/2025</a:t>
             </a:fld>
             <a:endParaRPr lang="en-US"/>
           </a:p>
@@ -2319,7 +2319,7 @@
           <a:p>
             <a:fld id="{A8A9F1F3-208B-49A3-B337-9C8ACEB3E0E1}" type="datetime1">
               <a:rPr lang="en-US" smtClean="0"/>
-              <a:t>1/1/2025</a:t>
+              <a:t>1/8/2025</a:t>
             </a:fld>
             <a:endParaRPr lang="en-US"/>
           </a:p>
@@ -2466,7 +2466,7 @@
           <a:p>
             <a:fld id="{27AF6CA6-7293-4AA2-A0E0-A3BF4416E786}" type="datetime1">
               <a:rPr lang="en-US" smtClean="0"/>
-              <a:t>1/1/2025</a:t>
+              <a:t>1/8/2025</a:t>
             </a:fld>
             <a:endParaRPr lang="en-US"/>
           </a:p>
@@ -2579,7 +2579,7 @@
           <a:p>
             <a:fld id="{98D87016-7BCD-46FB-8EE3-AB6C369108B4}" type="datetime1">
               <a:rPr lang="en-US" smtClean="0"/>
-              <a:t>1/1/2025</a:t>
+              <a:t>1/8/2025</a:t>
             </a:fld>
             <a:endParaRPr lang="en-US"/>
           </a:p>
@@ -2898,7 +2898,7 @@
           <a:p>
             <a:fld id="{A1547011-1FFC-4EF8-9A2E-53B4AD2ADBD4}" type="datetime1">
               <a:rPr lang="en-US" smtClean="0"/>
-              <a:t>1/1/2025</a:t>
+              <a:t>1/8/2025</a:t>
             </a:fld>
             <a:endParaRPr lang="en-US"/>
           </a:p>
@@ -3193,7 +3193,7 @@
           <a:p>
             <a:fld id="{9562EB47-45B4-4EF5-A743-B4885DD2F060}" type="datetime1">
               <a:rPr lang="en-US" smtClean="0"/>
-              <a:t>1/1/2025</a:t>
+              <a:t>1/8/2025</a:t>
             </a:fld>
             <a:endParaRPr lang="en-US"/>
           </a:p>
@@ -4578,7 +4578,7 @@
           <a:p>
             <a:fld id="{4A8D24A4-5FEC-4062-8995-EB21925B3B40}" type="datetime1">
               <a:rPr lang="en-US" smtClean="0"/>
-              <a:t>1/1/2025</a:t>
+              <a:t>1/8/2025</a:t>
             </a:fld>
             <a:endParaRPr lang="en-US" sz="1000" dirty="0"/>
           </a:p>
@@ -31437,7 +31437,7 @@
         </p:nvSpPr>
         <p:spPr>
           <a:xfrm>
-            <a:off x="777240" y="592183"/>
+            <a:off x="766445" y="349115"/>
             <a:ext cx="10659110" cy="5584780"/>
           </a:xfrm>
         </p:spPr>
@@ -31455,53 +31455,109 @@
           </a:p>
           <a:p>
             <a:r>
-              <a:rPr lang="en-US" dirty="0"/>
+              <a:rPr lang="en-US" sz="2400" dirty="0"/>
               <a:t>In C, a </a:t>
             </a:r>
             <a:r>
-              <a:rPr lang="en-US" b="1" dirty="0"/>
+              <a:rPr lang="en-US" sz="2400" b="1" dirty="0"/>
               <a:t>constant</a:t>
             </a:r>
             <a:r>
-              <a:rPr lang="en-US" dirty="0"/>
-              <a:t> is a value that cannot be altered during the execution of the program. Constants are used to represent fixed values that are not supposed to change. They improve code readability, maintainability, and prevent accidental modification of important values.</a:t>
-            </a:r>
-          </a:p>
-          <a:p>
-            <a:r>
-              <a:rPr lang="en-US" dirty="0"/>
+              <a:rPr lang="en-US" sz="2400" dirty="0"/>
+              <a:t> is a value that </a:t>
+            </a:r>
+            <a:r>
+              <a:rPr lang="en-US" sz="2400" b="1" dirty="0">
+                <a:solidFill>
+                  <a:srgbClr val="C00000"/>
+                </a:solidFill>
+              </a:rPr>
+              <a:t>cannot be altered during the execution of the program.</a:t>
+            </a:r>
+            <a:r>
+              <a:rPr lang="en-US" sz="2400" dirty="0"/>
+              <a:t> Constants are used to represent </a:t>
+            </a:r>
+            <a:r>
+              <a:rPr lang="en-US" sz="2400" b="1" dirty="0"/>
+              <a:t>fixed values </a:t>
+            </a:r>
+            <a:r>
+              <a:rPr lang="en-US" sz="2400" dirty="0"/>
+              <a:t>that are not supposed to change. They improve code </a:t>
+            </a:r>
+            <a:r>
+              <a:rPr lang="en-US" sz="2400" b="1" dirty="0"/>
+              <a:t>readability</a:t>
+            </a:r>
+            <a:r>
+              <a:rPr lang="en-US" sz="2400" dirty="0"/>
+              <a:t>, </a:t>
+            </a:r>
+            <a:r>
+              <a:rPr lang="en-US" sz="2400" b="1" dirty="0"/>
+              <a:t>maintainability</a:t>
+            </a:r>
+            <a:r>
+              <a:rPr lang="en-US" sz="2400" dirty="0"/>
+              <a:t>, and </a:t>
+            </a:r>
+            <a:r>
+              <a:rPr lang="en-US" sz="2400" b="1" dirty="0"/>
+              <a:t>prevent</a:t>
+            </a:r>
+            <a:r>
+              <a:rPr lang="en-US" sz="2400" dirty="0"/>
+              <a:t> </a:t>
+            </a:r>
+            <a:r>
+              <a:rPr lang="en-US" sz="2400" b="1" dirty="0">
+                <a:solidFill>
+                  <a:srgbClr val="C00000"/>
+                </a:solidFill>
+              </a:rPr>
+              <a:t>accidental modification</a:t>
+            </a:r>
+            <a:r>
+              <a:rPr lang="en-US" sz="2400" dirty="0"/>
+              <a:t> of important values.</a:t>
+            </a:r>
+          </a:p>
+          <a:p>
+            <a:r>
+              <a:rPr lang="en-US" sz="2400" dirty="0"/>
               <a:t>There are different types of constants in C, such as </a:t>
             </a:r>
             <a:r>
-              <a:rPr lang="en-US" b="1" dirty="0"/>
+              <a:rPr lang="en-US" sz="2400" b="1" dirty="0"/>
               <a:t>literal constants</a:t>
             </a:r>
             <a:r>
-              <a:rPr lang="en-US" dirty="0"/>
+              <a:rPr lang="en-US" sz="2400" dirty="0"/>
               <a:t>, </a:t>
             </a:r>
             <a:r>
-              <a:rPr lang="en-US" b="1" dirty="0"/>
+              <a:rPr lang="en-US" sz="2400" b="1" dirty="0"/>
               <a:t>symbolic constants</a:t>
             </a:r>
             <a:r>
-              <a:rPr lang="en-US" dirty="0"/>
+              <a:rPr lang="en-US" sz="2400" dirty="0"/>
               <a:t>, </a:t>
             </a:r>
             <a:r>
-              <a:rPr lang="en-US" b="1" dirty="0"/>
+              <a:rPr lang="en-US" sz="2400" b="1" dirty="0"/>
               <a:t>enumeration constants</a:t>
             </a:r>
             <a:r>
-              <a:rPr lang="en-US" dirty="0"/>
+              <a:rPr lang="en-US" sz="2400" dirty="0"/>
               <a:t>, and </a:t>
             </a:r>
             <a:r>
-              <a:rPr lang="en-US" b="1" dirty="0"/>
+              <a:rPr lang="en-US" sz="2400" b="1" dirty="0"/>
               <a:t>macro constants</a:t>
             </a:r>
             <a:r>
-              <a:rPr lang="en-US" dirty="0"/>
+              <a:rPr lang="en-US" sz="2400" dirty="0"/>
               <a:t>.</a:t>
             </a:r>
           </a:p>
@@ -31535,7 +31591,7 @@
         </p:blipFill>
         <p:spPr>
           <a:xfrm>
-            <a:off x="2690495" y="2821667"/>
+            <a:off x="2678921" y="3141505"/>
             <a:ext cx="5809524" cy="3609524"/>
           </a:xfrm>
           <a:prstGeom prst="rect">
@@ -31622,18 +31678,26 @@
               <a:buNone/>
             </a:pPr>
             <a:r>
-              <a:rPr lang="en-US" dirty="0"/>
-              <a:t>Literal constants are fixed values that are </a:t>
-            </a:r>
-            <a:r>
-              <a:rPr lang="en-US" b="1" dirty="0">
+              <a:rPr lang="en-US" sz="2400" dirty="0"/>
+              <a:t>Literal constants are </a:t>
+            </a:r>
+            <a:r>
+              <a:rPr lang="en-US" sz="2400" b="1" dirty="0"/>
+              <a:t>fixed values </a:t>
+            </a:r>
+            <a:r>
+              <a:rPr lang="en-US" sz="2400" dirty="0"/>
+              <a:t>that are </a:t>
+            </a:r>
+            <a:r>
+              <a:rPr lang="en-US" sz="2400" b="1" dirty="0">
                 <a:solidFill>
                   <a:srgbClr val="C00000"/>
                 </a:solidFill>
               </a:rPr>
               <a:t>directly written in the code.</a:t>
             </a:r>
-            <a:endParaRPr lang="en-US" dirty="0"/>
+            <a:endParaRPr lang="en-US" sz="2400" dirty="0"/>
           </a:p>
           <a:p>
             <a:pPr marL="457200" indent="-457200">
@@ -31641,11 +31705,11 @@
               <a:buAutoNum type="arabicPeriod"/>
             </a:pPr>
             <a:r>
-              <a:rPr lang="en-US" b="1" dirty="0"/>
+              <a:rPr lang="en-US" sz="2400" b="1" dirty="0"/>
               <a:t>Integer constants: </a:t>
             </a:r>
             <a:r>
-              <a:rPr lang="en-US" dirty="0"/>
+              <a:rPr lang="en-US" sz="2400" dirty="0"/>
               <a:t>These are whole numbers without decimal points.</a:t>
             </a:r>
           </a:p>
@@ -31655,11 +31719,11 @@
               <a:buAutoNum type="arabicPeriod"/>
             </a:pPr>
             <a:r>
-              <a:rPr lang="en-US" b="1" dirty="0"/>
+              <a:rPr lang="en-US" sz="2400" b="1" dirty="0"/>
               <a:t>Floating-point constants: </a:t>
             </a:r>
             <a:r>
-              <a:rPr lang="en-US" dirty="0"/>
+              <a:rPr lang="en-US" sz="2400" dirty="0"/>
               <a:t>These represent numbers with decimal points.</a:t>
             </a:r>
           </a:p>
@@ -31669,12 +31733,20 @@
               <a:buAutoNum type="arabicPeriod"/>
             </a:pPr>
             <a:r>
-              <a:rPr lang="en-US" b="1" dirty="0"/>
+              <a:rPr lang="en-US" sz="2400" b="1" dirty="0"/>
               <a:t>Character constants: </a:t>
             </a:r>
             <a:r>
-              <a:rPr lang="en-US" dirty="0"/>
-              <a:t>These are single characters enclosed in single quotes (' ').</a:t>
+              <a:rPr lang="en-US" sz="2400" dirty="0"/>
+              <a:t>These are single characters enclosed in single quotes (</a:t>
+            </a:r>
+            <a:r>
+              <a:rPr lang="en-US" sz="2400" b="1" dirty="0"/>
+              <a:t>' '</a:t>
+            </a:r>
+            <a:r>
+              <a:rPr lang="en-US" sz="2400" dirty="0"/>
+              <a:t>).</a:t>
             </a:r>
           </a:p>
           <a:p>
@@ -31683,11 +31755,11 @@
               <a:buAutoNum type="arabicPeriod"/>
             </a:pPr>
             <a:r>
-              <a:rPr lang="en-US" b="1" dirty="0"/>
+              <a:rPr lang="en-US" sz="2400" b="1" dirty="0"/>
               <a:t>String constants: </a:t>
             </a:r>
             <a:r>
-              <a:rPr lang="en-US" dirty="0"/>
+              <a:rPr lang="en-US" sz="2400" dirty="0"/>
               <a:t>These are sequences of characters enclosed in double quotes (" ").</a:t>
             </a:r>
           </a:p>
@@ -31703,7 +31775,7 @@
               <a:buNone/>
             </a:pPr>
             <a:r>
-              <a:rPr lang="en-US" b="1" dirty="0"/>
+              <a:rPr lang="en-US" sz="2400" b="1" dirty="0"/>
               <a:t>Example:</a:t>
             </a:r>
             <a:br>
@@ -31735,7 +31807,7 @@
         </p:blipFill>
         <p:spPr>
           <a:xfrm>
-            <a:off x="1999323" y="3984266"/>
+            <a:off x="2219242" y="4030564"/>
             <a:ext cx="8591796" cy="1883134"/>
           </a:xfrm>
           <a:prstGeom prst="rect">
@@ -31841,7 +31913,23 @@
             </a:r>
             <a:r>
               <a:rPr lang="en-US" sz="2400" dirty="0"/>
-              <a:t>. They are useful for representing fixed values that might change, so defining them as constants makes your code more maintainable.</a:t>
+              <a:t>. They are useful for representing </a:t>
+            </a:r>
+            <a:r>
+              <a:rPr lang="en-US" sz="2400" b="1" dirty="0"/>
+              <a:t>fixed values</a:t>
+            </a:r>
+            <a:r>
+              <a:rPr lang="en-US" sz="2400" dirty="0"/>
+              <a:t> that might change, so defining them as constants makes your code more </a:t>
+            </a:r>
+            <a:r>
+              <a:rPr lang="en-US" sz="2400" b="1" dirty="0"/>
+              <a:t>maintainable</a:t>
+            </a:r>
+            <a:r>
+              <a:rPr lang="en-US" sz="2400" dirty="0"/>
+              <a:t>.</a:t>
             </a:r>
           </a:p>
           <a:p>
@@ -32082,7 +32170,15 @@
             </a:pPr>
             <a:r>
               <a:rPr lang="en-US" sz="2400" dirty="0"/>
-              <a:t>The const keyword in C allows you to declare variables whose </a:t>
+              <a:t>The const keyword in C allows you to declare </a:t>
+            </a:r>
+            <a:r>
+              <a:rPr lang="en-US" sz="2400" b="1" dirty="0"/>
+              <a:t>variables</a:t>
+            </a:r>
+            <a:r>
+              <a:rPr lang="en-US" sz="2400" dirty="0"/>
+              <a:t> whose </a:t>
             </a:r>
             <a:r>
               <a:rPr lang="en-US" sz="2400" b="1" dirty="0">
@@ -32094,7 +32190,27 @@
             </a:r>
             <a:r>
               <a:rPr lang="en-US" sz="2400" dirty="0"/>
-              <a:t>once they are initialized. These constants behave like regular variables, except their values cannot be altered after initialization.</a:t>
+              <a:t>once they are initialized. These constants </a:t>
+            </a:r>
+            <a:r>
+              <a:rPr lang="en-US" sz="2400" b="1" dirty="0"/>
+              <a:t>behave like regular variables, </a:t>
+            </a:r>
+            <a:r>
+              <a:rPr lang="en-US" sz="2400" dirty="0"/>
+              <a:t>except their values </a:t>
+            </a:r>
+            <a:r>
+              <a:rPr lang="en-US" sz="2400" b="1" dirty="0">
+                <a:solidFill>
+                  <a:srgbClr val="C00000"/>
+                </a:solidFill>
+              </a:rPr>
+              <a:t>cannot be altered </a:t>
+            </a:r>
+            <a:r>
+              <a:rPr lang="en-US" sz="2400" dirty="0"/>
+              <a:t>after initialization.</a:t>
             </a:r>
           </a:p>
           <a:p>
@@ -32459,39 +32575,71 @@
               <a:buNone/>
             </a:pPr>
             <a:r>
-              <a:rPr lang="en-US" b="1" dirty="0"/>
-              <a:t>4. Enumeration Constants</a:t>
-            </a:r>
-          </a:p>
-          <a:p>
-            <a:r>
-              <a:rPr lang="en-US" dirty="0"/>
+              <a:rPr lang="en-US" sz="2400" b="1" dirty="0"/>
+              <a:t>4. Enumeration Constants:</a:t>
+            </a:r>
+          </a:p>
+          <a:p>
+            <a:r>
+              <a:rPr lang="en-US" sz="2400" dirty="0"/>
               <a:t>An </a:t>
             </a:r>
             <a:r>
-              <a:rPr lang="en-US" b="1" dirty="0" err="1"/>
+              <a:rPr lang="en-US" sz="2400" b="1" dirty="0" err="1"/>
               <a:t>enum</a:t>
             </a:r>
             <a:r>
-              <a:rPr lang="en-US" dirty="0"/>
-              <a:t> (enumeration) in C is a special type of constant that groups related constants together. Enums provide a set of named integer constants.</a:t>
-            </a:r>
-          </a:p>
-          <a:p>
-            <a:r>
-              <a:rPr lang="en-US" dirty="0"/>
+              <a:rPr lang="en-US" sz="2400" dirty="0"/>
+              <a:t> (enumeration) in C is a </a:t>
+            </a:r>
+            <a:r>
+              <a:rPr lang="en-US" sz="2400" b="1" dirty="0"/>
+              <a:t>special type of constant </a:t>
+            </a:r>
+            <a:r>
+              <a:rPr lang="en-US" sz="2400" dirty="0"/>
+              <a:t>that </a:t>
+            </a:r>
+            <a:r>
+              <a:rPr lang="en-US" sz="2400" b="1" dirty="0">
+                <a:solidFill>
+                  <a:srgbClr val="C00000"/>
+                </a:solidFill>
+              </a:rPr>
+              <a:t>groups related constants together. </a:t>
+            </a:r>
+            <a:r>
+              <a:rPr lang="en-US" sz="2400" dirty="0"/>
+              <a:t>Enums provide a set of </a:t>
+            </a:r>
+            <a:r>
+              <a:rPr lang="en-US" sz="2400" b="1" dirty="0">
+                <a:solidFill>
+                  <a:srgbClr val="002060"/>
+                </a:solidFill>
+              </a:rPr>
+              <a:t>named integer constants</a:t>
+            </a:r>
+            <a:r>
+              <a:rPr lang="en-US" sz="2400" dirty="0"/>
+              <a:t>.</a:t>
+            </a:r>
+          </a:p>
+          <a:p>
+            <a:r>
+              <a:rPr lang="en-US" sz="2400" dirty="0"/>
               <a:t>An </a:t>
             </a:r>
             <a:r>
-              <a:rPr lang="en-US" dirty="0" err="1"/>
+              <a:rPr lang="en-US" sz="2400" dirty="0" err="1"/>
               <a:t>enum</a:t>
             </a:r>
             <a:r>
-              <a:rPr lang="en-US" dirty="0"/>
+              <a:rPr lang="en-US" sz="2400" dirty="0"/>
               <a:t> (short for </a:t>
             </a:r>
             <a:r>
-              <a:rPr lang="en-US" b="1" dirty="0">
+              <a:rPr lang="en-US" sz="2400" b="1" dirty="0">
                 <a:solidFill>
                   <a:srgbClr val="C00000"/>
                 </a:solidFill>
@@ -32499,11 +32647,19 @@
               <a:t>enumeration</a:t>
             </a:r>
             <a:r>
-              <a:rPr lang="en-US" dirty="0"/>
-              <a:t>) in C is a user-defined data type that consists of a </a:t>
-            </a:r>
-            <a:r>
-              <a:rPr lang="en-US" b="1" dirty="0">
+              <a:rPr lang="en-US" sz="2400" dirty="0"/>
+              <a:t>) in C is a </a:t>
+            </a:r>
+            <a:r>
+              <a:rPr lang="en-US" sz="2400" b="1" dirty="0"/>
+              <a:t>user-defined data type </a:t>
+            </a:r>
+            <a:r>
+              <a:rPr lang="en-US" sz="2400" dirty="0"/>
+              <a:t>that consists of a </a:t>
+            </a:r>
+            <a:r>
+              <a:rPr lang="en-US" sz="2400" b="1" dirty="0">
                 <a:solidFill>
                   <a:srgbClr val="C00000"/>
                 </a:solidFill>
@@ -32511,29 +32667,29 @@
               <a:t>set of named integer constants</a:t>
             </a:r>
             <a:r>
-              <a:rPr lang="en-US" dirty="0"/>
+              <a:rPr lang="en-US" sz="2400" dirty="0"/>
               <a:t>. It allows you to </a:t>
             </a:r>
             <a:r>
-              <a:rPr lang="en-US" b="1" dirty="0"/>
+              <a:rPr lang="en-US" sz="2400" b="1" dirty="0"/>
               <a:t>assign meaningful names to integer values</a:t>
             </a:r>
             <a:r>
-              <a:rPr lang="en-US" dirty="0"/>
+              <a:rPr lang="en-US" sz="2400" dirty="0"/>
               <a:t>, which makes the code more readable and manageable. </a:t>
             </a:r>
           </a:p>
           <a:p>
             <a:r>
-              <a:rPr lang="en-US" dirty="0"/>
+              <a:rPr lang="en-US" sz="2400" dirty="0"/>
               <a:t>The "</a:t>
             </a:r>
             <a:r>
-              <a:rPr lang="en-US" dirty="0" err="1"/>
+              <a:rPr lang="en-US" sz="2400" b="1" dirty="0" err="1"/>
               <a:t>enum</a:t>
             </a:r>
             <a:r>
-              <a:rPr lang="en-US" dirty="0"/>
+              <a:rPr lang="en-US" sz="2400" dirty="0"/>
               <a:t>" keyword is used to declare an enumeration.</a:t>
             </a:r>
           </a:p>
@@ -32583,7 +32739,7 @@
         </p:blipFill>
         <p:spPr>
           <a:xfrm>
-            <a:off x="1430342" y="3765574"/>
+            <a:off x="1782686" y="3639707"/>
             <a:ext cx="4210766" cy="2537256"/>
           </a:xfrm>
           <a:prstGeom prst="rect">
@@ -32606,7 +32762,7 @@
         <p:spPr>
           <a:xfrm>
             <a:off x="5993452" y="3765574"/>
-            <a:ext cx="6096000" cy="1754326"/>
+            <a:ext cx="6096000" cy="1938992"/>
           </a:xfrm>
           <a:prstGeom prst="rect">
             <a:avLst/>
@@ -32624,23 +32780,23 @@
               <a:buChar char="•"/>
             </a:pPr>
             <a:r>
-              <a:rPr lang="en-US" b="1" dirty="0" err="1"/>
+              <a:rPr lang="en-US" sz="2000" b="1" dirty="0" err="1"/>
               <a:t>enum_name</a:t>
             </a:r>
             <a:r>
-              <a:rPr lang="en-US" b="1" dirty="0"/>
+              <a:rPr lang="en-US" sz="2000" b="1" dirty="0"/>
               <a:t>: </a:t>
             </a:r>
             <a:r>
-              <a:rPr lang="en-US" dirty="0"/>
+              <a:rPr lang="en-US" sz="2000" dirty="0"/>
               <a:t>The name of the </a:t>
             </a:r>
             <a:r>
-              <a:rPr lang="en-US" dirty="0" err="1"/>
+              <a:rPr lang="en-US" sz="2000" dirty="0" err="1"/>
               <a:t>enum</a:t>
             </a:r>
             <a:r>
-              <a:rPr lang="en-US" dirty="0"/>
+              <a:rPr lang="en-US" sz="2000" dirty="0"/>
               <a:t> type.</a:t>
             </a:r>
           </a:p>
@@ -32650,11 +32806,11 @@
               <a:buChar char="•"/>
             </a:pPr>
             <a:r>
-              <a:rPr lang="en-US" b="1" dirty="0"/>
+              <a:rPr lang="en-US" sz="2000" b="1" dirty="0"/>
               <a:t>constant1, constant2, constant3, ...: </a:t>
             </a:r>
             <a:r>
-              <a:rPr lang="en-US" dirty="0"/>
+              <a:rPr lang="en-US" sz="2000" dirty="0"/>
               <a:t>The named constants (enumerators).</a:t>
             </a:r>
           </a:p>
@@ -32664,11 +32820,11 @@
               <a:buChar char="•"/>
             </a:pPr>
             <a:r>
-              <a:rPr lang="en-US" b="1" dirty="0"/>
+              <a:rPr lang="en-US" sz="2000" b="1" dirty="0"/>
               <a:t>value1, value2, value3, ...: </a:t>
             </a:r>
             <a:r>
-              <a:rPr lang="en-US" dirty="0"/>
+              <a:rPr lang="en-US" sz="2000" dirty="0"/>
               <a:t>The corresponding integer values assigned to the constants. If not specified, C assigns consecutive integer values starting from 0.</a:t>
             </a:r>
           </a:p>
@@ -33095,7 +33251,43 @@
             </a:r>
             <a:r>
               <a:rPr lang="en-US" sz="2400" dirty="0"/>
-              <a:t>and cannot be used as identifiers (such as variable names, function names, etc.). </a:t>
+              <a:t>and </a:t>
+            </a:r>
+            <a:r>
+              <a:rPr lang="en-US" sz="2400" b="1" dirty="0">
+                <a:solidFill>
+                  <a:srgbClr val="C00000"/>
+                </a:solidFill>
+              </a:rPr>
+              <a:t>cannot be used as identifiers </a:t>
+            </a:r>
+            <a:r>
+              <a:rPr lang="en-US" sz="2400" dirty="0"/>
+              <a:t>(such as </a:t>
+            </a:r>
+            <a:r>
+              <a:rPr lang="en-US" sz="2400" b="1" dirty="0"/>
+              <a:t>variable names</a:t>
+            </a:r>
+            <a:r>
+              <a:rPr lang="en-US" sz="2400" dirty="0"/>
+              <a:t>, </a:t>
+            </a:r>
+            <a:r>
+              <a:rPr lang="en-US" sz="2400" b="1" dirty="0"/>
+              <a:t>function</a:t>
+            </a:r>
+            <a:r>
+              <a:rPr lang="en-US" sz="2400" dirty="0"/>
+              <a:t> </a:t>
+            </a:r>
+            <a:r>
+              <a:rPr lang="en-US" sz="2400" b="1" dirty="0"/>
+              <a:t>names</a:t>
+            </a:r>
+            <a:r>
+              <a:rPr lang="en-US" sz="2400" dirty="0"/>
+              <a:t>, etc.). </a:t>
             </a:r>
           </a:p>
           <a:p>
@@ -33116,7 +33308,23 @@
             </a:r>
             <a:r>
               <a:rPr lang="en-US" sz="2400" dirty="0"/>
-              <a:t>that is understood by the compiler. Keywords are an essential part of the C language and form the basic building blocks of the syntax.</a:t>
+              <a:t>that is understood by the compiler. Keywords are an </a:t>
+            </a:r>
+            <a:r>
+              <a:rPr lang="en-US" sz="2400" b="1" dirty="0"/>
+              <a:t>essential part of the C language </a:t>
+            </a:r>
+            <a:r>
+              <a:rPr lang="en-US" sz="2400" dirty="0"/>
+              <a:t>and </a:t>
+            </a:r>
+            <a:r>
+              <a:rPr lang="en-US" sz="2400" b="1" dirty="0"/>
+              <a:t>form the basic building blocks of the syntax</a:t>
+            </a:r>
+            <a:r>
+              <a:rPr lang="en-US" sz="2400" dirty="0"/>
+              <a:t>.</a:t>
             </a:r>
           </a:p>
           <a:p>
